--- a/poster stappenplan.pptx
+++ b/poster stappenplan.pptx
@@ -5,14 +5,13 @@
     <p:sldMasterId id="2147483648" r:id="rId1"/>
   </p:sldMasterIdLst>
   <p:notesMasterIdLst>
-    <p:notesMasterId r:id="rId4"/>
+    <p:notesMasterId r:id="rId3"/>
   </p:notesMasterIdLst>
   <p:handoutMasterIdLst>
-    <p:handoutMasterId r:id="rId5"/>
+    <p:handoutMasterId r:id="rId4"/>
   </p:handoutMasterIdLst>
   <p:sldIdLst>
     <p:sldId id="256" r:id="rId2"/>
-    <p:sldId id="257" r:id="rId3"/>
   </p:sldIdLst>
   <p:sldSz cx="10688638" cy="15124113"/>
   <p:notesSz cx="6858000" cy="9144000"/>
@@ -260,7 +259,7 @@
               <a:pPr>
                 <a:defRPr/>
               </a:pPr>
-              <a:t>10-12-2018</a:t>
+              <a:t>13-12-2018</a:t>
             </a:fld>
             <a:endParaRPr lang="nl-NL"/>
           </a:p>
@@ -453,7 +452,7 @@
               <a:pPr>
                 <a:defRPr/>
               </a:pPr>
-              <a:t>10-12-2018</a:t>
+              <a:t>13-12-2018</a:t>
             </a:fld>
             <a:endParaRPr lang="nl-NL"/>
           </a:p>
@@ -1755,8 +1754,8 @@
         </p:blipFill>
         <p:spPr>
           <a:xfrm>
-            <a:off x="5639544" y="2895201"/>
-            <a:ext cx="4680000" cy="3413981"/>
+            <a:off x="885150" y="11910240"/>
+            <a:ext cx="2880000" cy="2100911"/>
           </a:xfrm>
           <a:prstGeom prst="rect">
             <a:avLst/>
@@ -1785,8 +1784,8 @@
         </p:blipFill>
         <p:spPr>
           <a:xfrm>
-            <a:off x="184338" y="8845418"/>
-            <a:ext cx="4680000" cy="2527804"/>
+            <a:off x="804487" y="6903429"/>
+            <a:ext cx="2880000" cy="1555572"/>
           </a:xfrm>
           <a:prstGeom prst="rect">
             <a:avLst/>
@@ -1815,8 +1814,8 @@
         </p:blipFill>
         <p:spPr>
           <a:xfrm>
-            <a:off x="184339" y="2401537"/>
-            <a:ext cx="4680000" cy="2500601"/>
+            <a:off x="810499" y="2211037"/>
+            <a:ext cx="2880000" cy="1538831"/>
           </a:xfrm>
           <a:prstGeom prst="rect">
             <a:avLst/>
@@ -1845,8 +1844,8 @@
         </p:blipFill>
         <p:spPr>
           <a:xfrm>
-            <a:off x="184338" y="12077052"/>
-            <a:ext cx="4680000" cy="2486437"/>
+            <a:off x="812867" y="9336700"/>
+            <a:ext cx="2880000" cy="1530115"/>
           </a:xfrm>
           <a:prstGeom prst="rect">
             <a:avLst/>
@@ -1875,8 +1874,8 @@
         </p:blipFill>
         <p:spPr>
           <a:xfrm>
-            <a:off x="184338" y="5605968"/>
-            <a:ext cx="4680000" cy="2535620"/>
+            <a:off x="810498" y="4612016"/>
+            <a:ext cx="2880000" cy="1560382"/>
           </a:xfrm>
           <a:prstGeom prst="rect">
             <a:avLst/>
@@ -1905,8 +1904,8 @@
         </p:blipFill>
         <p:spPr>
           <a:xfrm>
-            <a:off x="5648275" y="7054879"/>
-            <a:ext cx="4680000" cy="3389940"/>
+            <a:off x="6185136" y="2258487"/>
+            <a:ext cx="2880000" cy="2086117"/>
           </a:xfrm>
           <a:prstGeom prst="rect">
             <a:avLst/>
@@ -1935,8 +1934,8 @@
         </p:blipFill>
         <p:spPr>
           <a:xfrm>
-            <a:off x="5648275" y="11263938"/>
-            <a:ext cx="4680000" cy="3372973"/>
+            <a:off x="6165969" y="5083713"/>
+            <a:ext cx="2880000" cy="2075676"/>
           </a:xfrm>
           <a:prstGeom prst="rect">
             <a:avLst/>
@@ -1957,7 +1956,7 @@
         </p:nvCxnSpPr>
         <p:spPr>
           <a:xfrm>
-            <a:off x="5181600" y="1925638"/>
+            <a:off x="5054652" y="1955619"/>
             <a:ext cx="0" cy="13198475"/>
           </a:xfrm>
           <a:prstGeom prst="line">
@@ -2002,7 +2001,7 @@
         </p:nvSpPr>
         <p:spPr>
           <a:xfrm>
-            <a:off x="644625" y="4968951"/>
+            <a:off x="836638" y="3800333"/>
             <a:ext cx="400045" cy="703830"/>
           </a:xfrm>
           <a:prstGeom prst="downArrow">
@@ -2046,7 +2045,7 @@
         </p:nvSpPr>
         <p:spPr>
           <a:xfrm>
-            <a:off x="644626" y="8172960"/>
+            <a:off x="849287" y="6179635"/>
             <a:ext cx="400045" cy="703830"/>
           </a:xfrm>
           <a:prstGeom prst="downArrow">
@@ -2090,7 +2089,7 @@
         </p:nvSpPr>
         <p:spPr>
           <a:xfrm>
-            <a:off x="708220" y="11373222"/>
+            <a:off x="849287" y="8567640"/>
             <a:ext cx="400045" cy="703830"/>
           </a:xfrm>
           <a:prstGeom prst="downArrow">
@@ -2116,7 +2115,7 @@
           <a:lstStyle/>
           <a:p>
             <a:pPr algn="ctr"/>
-            <a:endParaRPr lang="nl-BE"/>
+            <a:endParaRPr lang="nl-BE" dirty="0"/>
           </a:p>
         </p:txBody>
       </p:sp>
@@ -2134,7 +2133,7 @@
         </p:nvSpPr>
         <p:spPr>
           <a:xfrm>
-            <a:off x="5954715" y="2122375"/>
+            <a:off x="893219" y="11003860"/>
             <a:ext cx="400045" cy="703830"/>
           </a:xfrm>
           <a:prstGeom prst="downArrow">
@@ -2178,8 +2177,8 @@
         </p:nvSpPr>
         <p:spPr>
           <a:xfrm>
-            <a:off x="5954715" y="6414115"/>
-            <a:ext cx="400045" cy="703830"/>
+            <a:off x="948577" y="14167955"/>
+            <a:ext cx="400044" cy="615905"/>
           </a:xfrm>
           <a:prstGeom prst="downArrow">
             <a:avLst/>
@@ -2222,7 +2221,7 @@
         </p:nvSpPr>
         <p:spPr>
           <a:xfrm>
-            <a:off x="5954715" y="10511652"/>
+            <a:off x="6243951" y="4410665"/>
             <a:ext cx="400045" cy="703830"/>
           </a:xfrm>
           <a:prstGeom prst="downArrow">
@@ -2266,8 +2265,8 @@
         </p:nvSpPr>
         <p:spPr>
           <a:xfrm>
-            <a:off x="1044671" y="4968951"/>
-            <a:ext cx="3363813" cy="538609"/>
+            <a:off x="1148599" y="3875598"/>
+            <a:ext cx="3363813" cy="338554"/>
           </a:xfrm>
           <a:prstGeom prst="rect">
             <a:avLst/>
@@ -2281,11 +2280,11 @@
           <a:lstStyle/>
           <a:p>
             <a:r>
-              <a:rPr lang="nl-BE" dirty="0" err="1"/>
+              <a:rPr lang="nl-BE" sz="1600" dirty="0" err="1"/>
               <a:t>Sobel</a:t>
             </a:r>
             <a:r>
-              <a:rPr lang="nl-BE" dirty="0"/>
+              <a:rPr lang="nl-BE" sz="1600" dirty="0"/>
               <a:t> operator</a:t>
             </a:r>
           </a:p>
@@ -2305,8 +2304,8 @@
         </p:nvSpPr>
         <p:spPr>
           <a:xfrm>
-            <a:off x="1108265" y="8232400"/>
-            <a:ext cx="3363813" cy="538609"/>
+            <a:off x="1249332" y="6303014"/>
+            <a:ext cx="3363813" cy="338554"/>
           </a:xfrm>
           <a:prstGeom prst="rect">
             <a:avLst/>
@@ -2320,10 +2319,10 @@
           <a:lstStyle/>
           <a:p>
             <a:r>
-              <a:rPr lang="nl-BE" dirty="0" err="1"/>
+              <a:rPr lang="nl-BE" sz="1600" dirty="0" err="1"/>
               <a:t>Thresholding</a:t>
             </a:r>
-            <a:endParaRPr lang="nl-BE" dirty="0"/>
+            <a:endParaRPr lang="nl-BE" sz="1600" dirty="0"/>
           </a:p>
         </p:txBody>
       </p:sp>
@@ -2341,8 +2340,8 @@
         </p:nvSpPr>
         <p:spPr>
           <a:xfrm>
-            <a:off x="1175089" y="11232695"/>
-            <a:ext cx="3363813" cy="984885"/>
+            <a:off x="1249332" y="8552875"/>
+            <a:ext cx="3363813" cy="584775"/>
           </a:xfrm>
           <a:prstGeom prst="rect">
             <a:avLst/>
@@ -2356,34 +2355,34 @@
           <a:lstStyle/>
           <a:p>
             <a:r>
-              <a:rPr lang="nl-BE" dirty="0" err="1"/>
+              <a:rPr lang="nl-BE" sz="1600" dirty="0" err="1"/>
               <a:t>Finding</a:t>
             </a:r>
             <a:r>
-              <a:rPr lang="nl-BE" dirty="0"/>
+              <a:rPr lang="nl-BE" sz="1600" dirty="0"/>
               <a:t> box </a:t>
             </a:r>
             <a:r>
-              <a:rPr lang="nl-BE" dirty="0" err="1"/>
+              <a:rPr lang="nl-BE" sz="1600" dirty="0" err="1"/>
               <a:t>edge</a:t>
             </a:r>
             <a:r>
-              <a:rPr lang="nl-BE" dirty="0"/>
+              <a:rPr lang="nl-BE" sz="1600" dirty="0"/>
               <a:t> + overlap </a:t>
             </a:r>
             <a:r>
-              <a:rPr lang="nl-BE" dirty="0" err="1"/>
+              <a:rPr lang="nl-BE" sz="1600" dirty="0" err="1"/>
               <a:t>with</a:t>
             </a:r>
             <a:r>
-              <a:rPr lang="nl-BE" dirty="0"/>
+              <a:rPr lang="nl-BE" sz="1600" dirty="0"/>
               <a:t> </a:t>
             </a:r>
             <a:r>
-              <a:rPr lang="nl-BE" dirty="0" err="1"/>
+              <a:rPr lang="nl-BE" sz="1600" dirty="0" err="1"/>
               <a:t>color</a:t>
             </a:r>
-            <a:endParaRPr lang="nl-BE" dirty="0"/>
+            <a:endParaRPr lang="nl-BE" sz="1600" dirty="0"/>
           </a:p>
         </p:txBody>
       </p:sp>
@@ -2401,8 +2400,8 @@
         </p:nvSpPr>
         <p:spPr>
           <a:xfrm>
-            <a:off x="6482392" y="2130398"/>
-            <a:ext cx="4021905" cy="538609"/>
+            <a:off x="1249332" y="11106929"/>
+            <a:ext cx="4021905" cy="338554"/>
           </a:xfrm>
           <a:prstGeom prst="rect">
             <a:avLst/>
@@ -2416,11 +2415,11 @@
           <a:lstStyle/>
           <a:p>
             <a:r>
-              <a:rPr lang="nl-BE" dirty="0" err="1"/>
+              <a:rPr lang="nl-BE" sz="1600" dirty="0" err="1"/>
               <a:t>Remove</a:t>
             </a:r>
             <a:r>
-              <a:rPr lang="nl-BE" dirty="0"/>
+              <a:rPr lang="nl-BE" sz="1600" dirty="0"/>
               <a:t> background</a:t>
             </a:r>
           </a:p>
@@ -2440,8 +2439,8 @@
         </p:nvSpPr>
         <p:spPr>
           <a:xfrm>
-            <a:off x="6337065" y="6450918"/>
-            <a:ext cx="4312557" cy="538609"/>
+            <a:off x="1330926" y="14194642"/>
+            <a:ext cx="4312557" cy="338554"/>
           </a:xfrm>
           <a:prstGeom prst="rect">
             <a:avLst/>
@@ -2455,26 +2454,26 @@
           <a:lstStyle/>
           <a:p>
             <a:r>
-              <a:rPr lang="nl-BE" dirty="0" err="1"/>
+              <a:rPr lang="nl-BE" sz="1600" dirty="0" err="1"/>
               <a:t>Laplacian</a:t>
             </a:r>
             <a:r>
-              <a:rPr lang="nl-BE" dirty="0"/>
+              <a:rPr lang="nl-BE" sz="1600" dirty="0"/>
               <a:t> </a:t>
             </a:r>
             <a:r>
-              <a:rPr lang="nl-BE" dirty="0" err="1"/>
+              <a:rPr lang="nl-BE" sz="1600" dirty="0" err="1"/>
               <a:t>edge</a:t>
             </a:r>
             <a:r>
-              <a:rPr lang="nl-BE" dirty="0"/>
+              <a:rPr lang="nl-BE" sz="1600" dirty="0"/>
               <a:t> </a:t>
             </a:r>
             <a:r>
-              <a:rPr lang="nl-BE" dirty="0" err="1"/>
+              <a:rPr lang="nl-BE" sz="1600" dirty="0" err="1"/>
               <a:t>detection</a:t>
             </a:r>
-            <a:endParaRPr lang="nl-BE" dirty="0"/>
+            <a:endParaRPr lang="nl-BE" sz="1600" dirty="0"/>
           </a:p>
         </p:txBody>
       </p:sp>
@@ -2492,8 +2491,8 @@
         </p:nvSpPr>
         <p:spPr>
           <a:xfrm>
-            <a:off x="6314525" y="10585074"/>
-            <a:ext cx="4312557" cy="538609"/>
+            <a:off x="6643282" y="4539632"/>
+            <a:ext cx="4312557" cy="338554"/>
           </a:xfrm>
           <a:prstGeom prst="rect">
             <a:avLst/>
@@ -2507,10 +2506,10 @@
           <a:lstStyle/>
           <a:p>
             <a:r>
-              <a:rPr lang="nl-BE" dirty="0" err="1"/>
+              <a:rPr lang="nl-BE" sz="1600" dirty="0" err="1"/>
               <a:t>Thresholding</a:t>
             </a:r>
-            <a:endParaRPr lang="nl-BE" dirty="0"/>
+            <a:endParaRPr lang="nl-BE" sz="1600" dirty="0"/>
           </a:p>
         </p:txBody>
       </p:sp>
@@ -2568,8 +2567,8 @@
         </p:nvSpPr>
         <p:spPr>
           <a:xfrm>
-            <a:off x="184339" y="2401538"/>
-            <a:ext cx="400050" cy="538609"/>
+            <a:off x="810499" y="2211038"/>
+            <a:ext cx="222062" cy="276999"/>
           </a:xfrm>
           <a:prstGeom prst="rect">
             <a:avLst/>
@@ -2590,7 +2589,7 @@
           <a:lstStyle/>
           <a:p>
             <a:r>
-              <a:rPr lang="nl-BE" b="1" dirty="0"/>
+              <a:rPr lang="nl-BE" sz="1200" b="1" dirty="0"/>
               <a:t>1</a:t>
             </a:r>
           </a:p>
@@ -2610,8 +2609,8 @@
         </p:nvSpPr>
         <p:spPr>
           <a:xfrm>
-            <a:off x="186707" y="5575600"/>
-            <a:ext cx="400050" cy="538609"/>
+            <a:off x="812867" y="4581648"/>
+            <a:ext cx="182387" cy="276999"/>
           </a:xfrm>
           <a:prstGeom prst="rect">
             <a:avLst/>
@@ -2632,7 +2631,7 @@
           <a:lstStyle/>
           <a:p>
             <a:r>
-              <a:rPr lang="nl-BE" b="1" dirty="0"/>
+              <a:rPr lang="nl-BE" sz="1200" b="1" dirty="0"/>
               <a:t>2</a:t>
             </a:r>
           </a:p>
@@ -2652,8 +2651,8 @@
         </p:nvSpPr>
         <p:spPr>
           <a:xfrm>
-            <a:off x="160338" y="8845418"/>
-            <a:ext cx="400050" cy="538609"/>
+            <a:off x="780487" y="6903429"/>
+            <a:ext cx="246063" cy="276999"/>
           </a:xfrm>
           <a:prstGeom prst="rect">
             <a:avLst/>
@@ -2674,7 +2673,7 @@
           <a:lstStyle/>
           <a:p>
             <a:r>
-              <a:rPr lang="nl-BE" b="1" dirty="0"/>
+              <a:rPr lang="nl-BE" sz="1200" b="1" dirty="0"/>
               <a:t>3</a:t>
             </a:r>
           </a:p>
@@ -2694,8 +2693,8 @@
         </p:nvSpPr>
         <p:spPr>
           <a:xfrm>
-            <a:off x="182759" y="12026587"/>
-            <a:ext cx="400050" cy="538609"/>
+            <a:off x="811288" y="9286235"/>
+            <a:ext cx="208199" cy="276999"/>
           </a:xfrm>
           <a:prstGeom prst="rect">
             <a:avLst/>
@@ -2716,7 +2715,7 @@
           <a:lstStyle/>
           <a:p>
             <a:r>
-              <a:rPr lang="nl-BE" b="1" dirty="0"/>
+              <a:rPr lang="nl-BE" sz="1200" b="1" dirty="0"/>
               <a:t>4</a:t>
             </a:r>
           </a:p>
@@ -2736,8 +2735,8 @@
         </p:nvSpPr>
         <p:spPr>
           <a:xfrm>
-            <a:off x="5628938" y="2886888"/>
-            <a:ext cx="400050" cy="538609"/>
+            <a:off x="874544" y="11901927"/>
+            <a:ext cx="254524" cy="276999"/>
           </a:xfrm>
           <a:prstGeom prst="rect">
             <a:avLst/>
@@ -2758,7 +2757,7 @@
           <a:lstStyle/>
           <a:p>
             <a:r>
-              <a:rPr lang="nl-BE" b="1" dirty="0"/>
+              <a:rPr lang="nl-BE" sz="1200" b="1" dirty="0"/>
               <a:t>5</a:t>
             </a:r>
           </a:p>
@@ -2778,8 +2777,8 @@
         </p:nvSpPr>
         <p:spPr>
           <a:xfrm>
-            <a:off x="5648275" y="7054879"/>
-            <a:ext cx="400050" cy="538609"/>
+            <a:off x="6185137" y="2287105"/>
+            <a:ext cx="223900" cy="276999"/>
           </a:xfrm>
           <a:prstGeom prst="rect">
             <a:avLst/>
@@ -2800,7 +2799,7 @@
           <a:lstStyle/>
           <a:p>
             <a:r>
-              <a:rPr lang="nl-BE" b="1" dirty="0"/>
+              <a:rPr lang="nl-BE" sz="1200" b="1" dirty="0"/>
               <a:t>6</a:t>
             </a:r>
           </a:p>
@@ -2820,8 +2819,8 @@
         </p:nvSpPr>
         <p:spPr>
           <a:xfrm>
-            <a:off x="5648275" y="11263938"/>
-            <a:ext cx="400050" cy="538609"/>
+            <a:off x="6165969" y="5083713"/>
+            <a:ext cx="235187" cy="276999"/>
           </a:xfrm>
           <a:prstGeom prst="rect">
             <a:avLst/>
@@ -2842,43 +2841,18 @@
           <a:lstStyle/>
           <a:p>
             <a:r>
-              <a:rPr lang="nl-BE" b="1" dirty="0"/>
+              <a:rPr lang="nl-BE" sz="1200" b="1" dirty="0"/>
               <a:t>7</a:t>
             </a:r>
           </a:p>
         </p:txBody>
       </p:sp>
-    </p:spTree>
-  </p:cSld>
-  <p:clrMapOvr>
-    <a:masterClrMapping/>
-  </p:clrMapOvr>
-</p:sld>
-</file>
-
-<file path=ppt/slides/slide2.xml><?xml version="1.0" encoding="utf-8"?>
-<p:sld xmlns:a="http://schemas.openxmlformats.org/drawingml/2006/main" xmlns:r="http://schemas.openxmlformats.org/officeDocument/2006/relationships" xmlns:p="http://schemas.openxmlformats.org/presentationml/2006/main">
-  <p:cSld>
-    <p:spTree>
-      <p:nvGrpSpPr>
-        <p:cNvPr id="1" name=""/>
-        <p:cNvGrpSpPr/>
-        <p:nvPr/>
-      </p:nvGrpSpPr>
-      <p:grpSpPr>
-        <a:xfrm>
-          <a:off x="0" y="0"/>
-          <a:ext cx="0" cy="0"/>
-          <a:chOff x="0" y="0"/>
-          <a:chExt cx="0" cy="0"/>
-        </a:xfrm>
-      </p:grpSpPr>
       <p:pic>
         <p:nvPicPr>
-          <p:cNvPr id="6" name="Afbeelding 5">
+          <p:cNvPr id="31" name="Afbeelding 30">
             <a:extLst>
               <a:ext uri="{FF2B5EF4-FFF2-40B4-BE49-F238E27FC236}">
-                <a16:creationId xmlns:a16="http://schemas.microsoft.com/office/drawing/2014/main" id="{B97A8103-6EBE-44FE-AB28-E056EE4CAD45}"/>
+                <a16:creationId xmlns:a16="http://schemas.microsoft.com/office/drawing/2014/main" id="{9441FCCE-BA6C-4597-8399-4FE3C92EF432}"/>
               </a:ext>
             </a:extLst>
           </p:cNvPr>
@@ -2888,87 +2862,27 @@
           <p:nvPr/>
         </p:nvPicPr>
         <p:blipFill>
-          <a:blip r:embed="rId2"/>
+          <a:blip r:embed="rId9"/>
           <a:stretch>
             <a:fillRect/>
           </a:stretch>
         </p:blipFill>
         <p:spPr>
           <a:xfrm>
-            <a:off x="1874660" y="2690061"/>
-            <a:ext cx="6431828" cy="3600000"/>
+            <a:off x="6199151" y="7958713"/>
+            <a:ext cx="2880000" cy="1611983"/>
           </a:xfrm>
           <a:prstGeom prst="rect">
             <a:avLst/>
           </a:prstGeom>
         </p:spPr>
       </p:pic>
-      <p:pic>
-        <p:nvPicPr>
-          <p:cNvPr id="7" name="Afbeelding 6">
+      <p:sp>
+        <p:nvSpPr>
+          <p:cNvPr id="32" name="Pijl: omlaag 31">
             <a:extLst>
               <a:ext uri="{FF2B5EF4-FFF2-40B4-BE49-F238E27FC236}">
-                <a16:creationId xmlns:a16="http://schemas.microsoft.com/office/drawing/2014/main" id="{E1DC7F0B-EE70-4761-AE9B-FBE0EF873CA2}"/>
-              </a:ext>
-            </a:extLst>
-          </p:cNvPr>
-          <p:cNvPicPr>
-            <a:picLocks noChangeAspect="1"/>
-          </p:cNvPicPr>
-          <p:nvPr/>
-        </p:nvPicPr>
-        <p:blipFill>
-          <a:blip r:embed="rId3"/>
-          <a:stretch>
-            <a:fillRect/>
-          </a:stretch>
-        </p:blipFill>
-        <p:spPr>
-          <a:xfrm>
-            <a:off x="1874660" y="6768072"/>
-            <a:ext cx="6635542" cy="3600000"/>
-          </a:xfrm>
-          <a:prstGeom prst="rect">
-            <a:avLst/>
-          </a:prstGeom>
-        </p:spPr>
-      </p:pic>
-      <p:pic>
-        <p:nvPicPr>
-          <p:cNvPr id="8" name="Afbeelding 7">
-            <a:extLst>
-              <a:ext uri="{FF2B5EF4-FFF2-40B4-BE49-F238E27FC236}">
-                <a16:creationId xmlns:a16="http://schemas.microsoft.com/office/drawing/2014/main" id="{61CCD033-E35A-4A3E-BCBE-74331DED442A}"/>
-              </a:ext>
-            </a:extLst>
-          </p:cNvPr>
-          <p:cNvPicPr>
-            <a:picLocks noChangeAspect="1"/>
-          </p:cNvPicPr>
-          <p:nvPr/>
-        </p:nvPicPr>
-        <p:blipFill>
-          <a:blip r:embed="rId4"/>
-          <a:stretch>
-            <a:fillRect/>
-          </a:stretch>
-        </p:blipFill>
-        <p:spPr>
-          <a:xfrm>
-            <a:off x="2415057" y="10846083"/>
-            <a:ext cx="5858524" cy="4278030"/>
-          </a:xfrm>
-          <a:prstGeom prst="rect">
-            <a:avLst/>
-          </a:prstGeom>
-        </p:spPr>
-      </p:pic>
-      <p:sp>
-        <p:nvSpPr>
-          <p:cNvPr id="9" name="Pijl: omlaag 8">
-            <a:extLst>
-              <a:ext uri="{FF2B5EF4-FFF2-40B4-BE49-F238E27FC236}">
-                <a16:creationId xmlns:a16="http://schemas.microsoft.com/office/drawing/2014/main" id="{73981A13-BE8B-423C-8902-40CA1193FFBA}"/>
+                <a16:creationId xmlns:a16="http://schemas.microsoft.com/office/drawing/2014/main" id="{975B7BB7-66F8-435D-8887-94EDFE693DAD}"/>
               </a:ext>
             </a:extLst>
           </p:cNvPr>
@@ -2977,7 +2891,7 @@
         </p:nvSpPr>
         <p:spPr>
           <a:xfrm>
-            <a:off x="2415057" y="2044101"/>
+            <a:off x="6235571" y="7222225"/>
             <a:ext cx="400045" cy="703830"/>
           </a:xfrm>
           <a:prstGeom prst="downArrow">
@@ -3003,16 +2917,16 @@
           <a:lstStyle/>
           <a:p>
             <a:pPr algn="ctr"/>
-            <a:endParaRPr lang="nl-BE"/>
-          </a:p>
-        </p:txBody>
-      </p:sp>
-      <p:sp>
-        <p:nvSpPr>
-          <p:cNvPr id="10" name="Tekstvak 9">
+            <a:endParaRPr lang="nl-BE" dirty="0"/>
+          </a:p>
+        </p:txBody>
+      </p:sp>
+      <p:sp>
+        <p:nvSpPr>
+          <p:cNvPr id="33" name="Tekstvak 32">
             <a:extLst>
               <a:ext uri="{FF2B5EF4-FFF2-40B4-BE49-F238E27FC236}">
-                <a16:creationId xmlns:a16="http://schemas.microsoft.com/office/drawing/2014/main" id="{9D00396D-FB17-4984-ABE9-C0CBC43660C9}"/>
+                <a16:creationId xmlns:a16="http://schemas.microsoft.com/office/drawing/2014/main" id="{8D6A2FA7-7327-4A55-9AA7-D50D9AA0E278}"/>
               </a:ext>
             </a:extLst>
           </p:cNvPr>
@@ -3021,8 +2935,8 @@
         </p:nvSpPr>
         <p:spPr>
           <a:xfrm>
-            <a:off x="2815103" y="2044101"/>
-            <a:ext cx="3363813" cy="538609"/>
+            <a:off x="6675138" y="7388429"/>
+            <a:ext cx="3363813" cy="338554"/>
           </a:xfrm>
           <a:prstGeom prst="rect">
             <a:avLst/>
@@ -3036,19 +2950,91 @@
           <a:lstStyle/>
           <a:p>
             <a:r>
-              <a:rPr lang="nl-BE" dirty="0" err="1"/>
+              <a:rPr lang="nl-BE" sz="1600" dirty="0" err="1"/>
               <a:t>Grouping</a:t>
             </a:r>
-            <a:endParaRPr lang="nl-BE" dirty="0"/>
-          </a:p>
-        </p:txBody>
-      </p:sp>
-      <p:sp>
-        <p:nvSpPr>
-          <p:cNvPr id="11" name="Pijl: omlaag 10">
+            <a:endParaRPr lang="nl-BE" sz="1600" dirty="0"/>
+          </a:p>
+        </p:txBody>
+      </p:sp>
+      <p:sp>
+        <p:nvSpPr>
+          <p:cNvPr id="34" name="Tekstvak 33">
             <a:extLst>
               <a:ext uri="{FF2B5EF4-FFF2-40B4-BE49-F238E27FC236}">
-                <a16:creationId xmlns:a16="http://schemas.microsoft.com/office/drawing/2014/main" id="{4E88D9A5-A0F9-42B4-9292-BFD99D9A31D8}"/>
+                <a16:creationId xmlns:a16="http://schemas.microsoft.com/office/drawing/2014/main" id="{A36E0EF4-AD30-4C53-97DC-AAC77AFC5E4A}"/>
+              </a:ext>
+            </a:extLst>
+          </p:cNvPr>
+          <p:cNvSpPr txBox="1"/>
+          <p:nvPr/>
+        </p:nvSpPr>
+        <p:spPr>
+          <a:xfrm>
+            <a:off x="6127181" y="7954675"/>
+            <a:ext cx="233540" cy="276999"/>
+          </a:xfrm>
+          <a:prstGeom prst="rect">
+            <a:avLst/>
+          </a:prstGeom>
+          <a:solidFill>
+            <a:schemeClr val="bg1"/>
+          </a:solidFill>
+          <a:ln>
+            <a:solidFill>
+              <a:schemeClr val="bg1"/>
+            </a:solidFill>
+          </a:ln>
+        </p:spPr>
+        <p:txBody>
+          <a:bodyPr wrap="square" rtlCol="0">
+            <a:spAutoFit/>
+          </a:bodyPr>
+          <a:lstStyle/>
+          <a:p>
+            <a:r>
+              <a:rPr lang="nl-BE" sz="1200" b="1" dirty="0"/>
+              <a:t>8</a:t>
+            </a:r>
+          </a:p>
+        </p:txBody>
+      </p:sp>
+      <p:pic>
+        <p:nvPicPr>
+          <p:cNvPr id="35" name="Afbeelding 34">
+            <a:extLst>
+              <a:ext uri="{FF2B5EF4-FFF2-40B4-BE49-F238E27FC236}">
+                <a16:creationId xmlns:a16="http://schemas.microsoft.com/office/drawing/2014/main" id="{1ED05758-9E9D-41C6-AAAE-8D8A55D55BD1}"/>
+              </a:ext>
+            </a:extLst>
+          </p:cNvPr>
+          <p:cNvPicPr>
+            <a:picLocks noChangeAspect="1"/>
+          </p:cNvPicPr>
+          <p:nvPr/>
+        </p:nvPicPr>
+        <p:blipFill>
+          <a:blip r:embed="rId10"/>
+          <a:stretch>
+            <a:fillRect/>
+          </a:stretch>
+        </p:blipFill>
+        <p:spPr>
+          <a:xfrm>
+            <a:off x="6243951" y="10327633"/>
+            <a:ext cx="2880000" cy="1562495"/>
+          </a:xfrm>
+          <a:prstGeom prst="rect">
+            <a:avLst/>
+          </a:prstGeom>
+        </p:spPr>
+      </p:pic>
+      <p:sp>
+        <p:nvSpPr>
+          <p:cNvPr id="36" name="Pijl: omlaag 35">
+            <a:extLst>
+              <a:ext uri="{FF2B5EF4-FFF2-40B4-BE49-F238E27FC236}">
+                <a16:creationId xmlns:a16="http://schemas.microsoft.com/office/drawing/2014/main" id="{3EF95EF2-54F8-49A1-97BD-2BD1AF03DFE6}"/>
               </a:ext>
             </a:extLst>
           </p:cNvPr>
@@ -3057,7 +3043,7 @@
         </p:nvSpPr>
         <p:spPr>
           <a:xfrm>
-            <a:off x="2415057" y="6290061"/>
+            <a:off x="6243951" y="9599560"/>
             <a:ext cx="400045" cy="703830"/>
           </a:xfrm>
           <a:prstGeom prst="downArrow">
@@ -3089,10 +3075,10 @@
       </p:sp>
       <p:sp>
         <p:nvSpPr>
-          <p:cNvPr id="12" name="Tekstvak 11">
+          <p:cNvPr id="37" name="Tekstvak 36">
             <a:extLst>
               <a:ext uri="{FF2B5EF4-FFF2-40B4-BE49-F238E27FC236}">
-                <a16:creationId xmlns:a16="http://schemas.microsoft.com/office/drawing/2014/main" id="{9B9E98E4-D1E0-4618-9093-05DBF69EAE82}"/>
+                <a16:creationId xmlns:a16="http://schemas.microsoft.com/office/drawing/2014/main" id="{14A63E26-665C-431B-9581-2C24378CF379}"/>
               </a:ext>
             </a:extLst>
           </p:cNvPr>
@@ -3101,8 +3087,8 @@
         </p:nvSpPr>
         <p:spPr>
           <a:xfrm>
-            <a:off x="2815103" y="6290061"/>
-            <a:ext cx="3363813" cy="538609"/>
+            <a:off x="6683518" y="9800177"/>
+            <a:ext cx="3363813" cy="338554"/>
           </a:xfrm>
           <a:prstGeom prst="rect">
             <a:avLst/>
@@ -3116,19 +3102,91 @@
           <a:lstStyle/>
           <a:p>
             <a:r>
-              <a:rPr lang="nl-BE" dirty="0" err="1"/>
+              <a:rPr lang="nl-BE" sz="1600" dirty="0" err="1"/>
               <a:t>Regrouping</a:t>
             </a:r>
-            <a:endParaRPr lang="nl-BE" dirty="0"/>
-          </a:p>
-        </p:txBody>
-      </p:sp>
-      <p:sp>
-        <p:nvSpPr>
-          <p:cNvPr id="13" name="Pijl: omlaag 12">
+            <a:endParaRPr lang="nl-BE" sz="1600" dirty="0"/>
+          </a:p>
+        </p:txBody>
+      </p:sp>
+      <p:sp>
+        <p:nvSpPr>
+          <p:cNvPr id="38" name="Tekstvak 37">
             <a:extLst>
               <a:ext uri="{FF2B5EF4-FFF2-40B4-BE49-F238E27FC236}">
-                <a16:creationId xmlns:a16="http://schemas.microsoft.com/office/drawing/2014/main" id="{187B064C-AB75-4588-9CD9-F6A867A7A897}"/>
+                <a16:creationId xmlns:a16="http://schemas.microsoft.com/office/drawing/2014/main" id="{AD50A6B8-4D30-457B-A14B-31D166509CD3}"/>
+              </a:ext>
+            </a:extLst>
+          </p:cNvPr>
+          <p:cNvSpPr txBox="1"/>
+          <p:nvPr/>
+        </p:nvSpPr>
+        <p:spPr>
+          <a:xfrm>
+            <a:off x="6243951" y="10327632"/>
+            <a:ext cx="233540" cy="276999"/>
+          </a:xfrm>
+          <a:prstGeom prst="rect">
+            <a:avLst/>
+          </a:prstGeom>
+          <a:solidFill>
+            <a:schemeClr val="bg1"/>
+          </a:solidFill>
+          <a:ln>
+            <a:solidFill>
+              <a:schemeClr val="bg1"/>
+            </a:solidFill>
+          </a:ln>
+        </p:spPr>
+        <p:txBody>
+          <a:bodyPr wrap="square" rtlCol="0">
+            <a:spAutoFit/>
+          </a:bodyPr>
+          <a:lstStyle/>
+          <a:p>
+            <a:r>
+              <a:rPr lang="nl-BE" sz="1200" b="1" dirty="0"/>
+              <a:t>9</a:t>
+            </a:r>
+          </a:p>
+        </p:txBody>
+      </p:sp>
+      <p:pic>
+        <p:nvPicPr>
+          <p:cNvPr id="39" name="Afbeelding 38">
+            <a:extLst>
+              <a:ext uri="{FF2B5EF4-FFF2-40B4-BE49-F238E27FC236}">
+                <a16:creationId xmlns:a16="http://schemas.microsoft.com/office/drawing/2014/main" id="{56F9EE8F-ADDB-420C-BFDD-655E7EEADDFE}"/>
+              </a:ext>
+            </a:extLst>
+          </p:cNvPr>
+          <p:cNvPicPr>
+            <a:picLocks noChangeAspect="1"/>
+          </p:cNvPicPr>
+          <p:nvPr/>
+        </p:nvPicPr>
+        <p:blipFill>
+          <a:blip r:embed="rId11"/>
+          <a:stretch>
+            <a:fillRect/>
+          </a:stretch>
+        </p:blipFill>
+        <p:spPr>
+          <a:xfrm>
+            <a:off x="6303885" y="12680817"/>
+            <a:ext cx="2880000" cy="2103043"/>
+          </a:xfrm>
+          <a:prstGeom prst="rect">
+            <a:avLst/>
+          </a:prstGeom>
+        </p:spPr>
+      </p:pic>
+      <p:sp>
+        <p:nvSpPr>
+          <p:cNvPr id="40" name="Pijl: omlaag 39">
+            <a:extLst>
+              <a:ext uri="{FF2B5EF4-FFF2-40B4-BE49-F238E27FC236}">
+                <a16:creationId xmlns:a16="http://schemas.microsoft.com/office/drawing/2014/main" id="{A665023C-AD75-4A97-A5C8-E9B260CDA516}"/>
               </a:ext>
             </a:extLst>
           </p:cNvPr>
@@ -3137,7 +3195,7 @@
         </p:nvSpPr>
         <p:spPr>
           <a:xfrm>
-            <a:off x="2415057" y="10266716"/>
+            <a:off x="6303885" y="11951808"/>
             <a:ext cx="400045" cy="703830"/>
           </a:xfrm>
           <a:prstGeom prst="downArrow">
@@ -3163,16 +3221,16 @@
           <a:lstStyle/>
           <a:p>
             <a:pPr algn="ctr"/>
-            <a:endParaRPr lang="nl-BE"/>
-          </a:p>
-        </p:txBody>
-      </p:sp>
-      <p:sp>
-        <p:nvSpPr>
-          <p:cNvPr id="14" name="Tekstvak 13">
+            <a:endParaRPr lang="nl-BE" dirty="0"/>
+          </a:p>
+        </p:txBody>
+      </p:sp>
+      <p:sp>
+        <p:nvSpPr>
+          <p:cNvPr id="41" name="Tekstvak 40">
             <a:extLst>
               <a:ext uri="{FF2B5EF4-FFF2-40B4-BE49-F238E27FC236}">
-                <a16:creationId xmlns:a16="http://schemas.microsoft.com/office/drawing/2014/main" id="{B5BC7650-C0A2-4160-82CA-57FC7CE0F41D}"/>
+                <a16:creationId xmlns:a16="http://schemas.microsoft.com/office/drawing/2014/main" id="{C6AA10A6-652A-42CD-ADDE-77CCFCE3C2F0}"/>
               </a:ext>
             </a:extLst>
           </p:cNvPr>
@@ -3181,8 +3239,8 @@
         </p:nvSpPr>
         <p:spPr>
           <a:xfrm>
-            <a:off x="2815103" y="10266716"/>
-            <a:ext cx="5262097" cy="538609"/>
+            <a:off x="6619933" y="12102158"/>
+            <a:ext cx="5262097" cy="338554"/>
           </a:xfrm>
           <a:prstGeom prst="rect">
             <a:avLst/>
@@ -3196,35 +3254,35 @@
           <a:lstStyle/>
           <a:p>
             <a:r>
-              <a:rPr lang="nl-BE" dirty="0" err="1"/>
+              <a:rPr lang="nl-BE" sz="1600" dirty="0" err="1"/>
               <a:t>Drawing</a:t>
             </a:r>
             <a:r>
-              <a:rPr lang="nl-BE" dirty="0"/>
+              <a:rPr lang="nl-BE" sz="1600" dirty="0"/>
               <a:t> </a:t>
             </a:r>
             <a:r>
-              <a:rPr lang="nl-BE" dirty="0" err="1"/>
+              <a:rPr lang="nl-BE" sz="1600" dirty="0" err="1"/>
               <a:t>boundary</a:t>
             </a:r>
             <a:r>
-              <a:rPr lang="nl-BE" dirty="0"/>
+              <a:rPr lang="nl-BE" sz="1600" dirty="0"/>
               <a:t> </a:t>
             </a:r>
             <a:r>
-              <a:rPr lang="nl-BE" dirty="0" err="1"/>
+              <a:rPr lang="nl-BE" sz="1600" dirty="0" err="1"/>
               <a:t>boxes</a:t>
             </a:r>
-            <a:endParaRPr lang="nl-BE" dirty="0"/>
-          </a:p>
-        </p:txBody>
-      </p:sp>
-      <p:sp>
-        <p:nvSpPr>
-          <p:cNvPr id="15" name="Tekstvak 14">
+            <a:endParaRPr lang="nl-BE" sz="1600" dirty="0"/>
+          </a:p>
+        </p:txBody>
+      </p:sp>
+      <p:sp>
+        <p:nvSpPr>
+          <p:cNvPr id="42" name="Tekstvak 41">
             <a:extLst>
               <a:ext uri="{FF2B5EF4-FFF2-40B4-BE49-F238E27FC236}">
-                <a16:creationId xmlns:a16="http://schemas.microsoft.com/office/drawing/2014/main" id="{A65267C4-3951-49FC-AF09-1F40BBA1E7B8}"/>
+                <a16:creationId xmlns:a16="http://schemas.microsoft.com/office/drawing/2014/main" id="{22EEFEFF-74EF-4280-BFC0-638C183A2F47}"/>
               </a:ext>
             </a:extLst>
           </p:cNvPr>
@@ -3233,8 +3291,8 @@
         </p:nvSpPr>
         <p:spPr>
           <a:xfrm>
-            <a:off x="1874660" y="2652663"/>
-            <a:ext cx="400050" cy="538609"/>
+            <a:off x="6303884" y="12666779"/>
+            <a:ext cx="400045" cy="276999"/>
           </a:xfrm>
           <a:prstGeom prst="rect">
             <a:avLst/>
@@ -3255,102 +3313,13 @@
           <a:lstStyle/>
           <a:p>
             <a:r>
-              <a:rPr lang="nl-BE" b="1" dirty="0"/>
-              <a:t>8</a:t>
-            </a:r>
-          </a:p>
-        </p:txBody>
-      </p:sp>
-      <p:sp>
-        <p:nvSpPr>
-          <p:cNvPr id="16" name="Tekstvak 15">
-            <a:extLst>
-              <a:ext uri="{FF2B5EF4-FFF2-40B4-BE49-F238E27FC236}">
-                <a16:creationId xmlns:a16="http://schemas.microsoft.com/office/drawing/2014/main" id="{164E7477-495C-406A-A5B5-E7545282A522}"/>
-              </a:ext>
-            </a:extLst>
-          </p:cNvPr>
-          <p:cNvSpPr txBox="1"/>
-          <p:nvPr/>
-        </p:nvSpPr>
-        <p:spPr>
-          <a:xfrm>
-            <a:off x="1874660" y="6768072"/>
-            <a:ext cx="400050" cy="538609"/>
-          </a:xfrm>
-          <a:prstGeom prst="rect">
-            <a:avLst/>
-          </a:prstGeom>
-          <a:solidFill>
-            <a:schemeClr val="bg1"/>
-          </a:solidFill>
-          <a:ln>
-            <a:solidFill>
-              <a:schemeClr val="bg1"/>
-            </a:solidFill>
-          </a:ln>
-        </p:spPr>
-        <p:txBody>
-          <a:bodyPr wrap="square" rtlCol="0">
-            <a:spAutoFit/>
-          </a:bodyPr>
-          <a:lstStyle/>
-          <a:p>
-            <a:r>
-              <a:rPr lang="nl-BE" b="1" dirty="0"/>
-              <a:t>9</a:t>
-            </a:r>
-          </a:p>
-        </p:txBody>
-      </p:sp>
-      <p:sp>
-        <p:nvSpPr>
-          <p:cNvPr id="17" name="Tekstvak 16">
-            <a:extLst>
-              <a:ext uri="{FF2B5EF4-FFF2-40B4-BE49-F238E27FC236}">
-                <a16:creationId xmlns:a16="http://schemas.microsoft.com/office/drawing/2014/main" id="{1342D6DC-EE84-480C-B397-7D19A8AB0179}"/>
-              </a:ext>
-            </a:extLst>
-          </p:cNvPr>
-          <p:cNvSpPr txBox="1"/>
-          <p:nvPr/>
-        </p:nvSpPr>
-        <p:spPr>
-          <a:xfrm>
-            <a:off x="2415056" y="10970546"/>
-            <a:ext cx="643830" cy="538609"/>
-          </a:xfrm>
-          <a:prstGeom prst="rect">
-            <a:avLst/>
-          </a:prstGeom>
-          <a:solidFill>
-            <a:schemeClr val="bg1"/>
-          </a:solidFill>
-          <a:ln>
-            <a:solidFill>
-              <a:schemeClr val="bg1"/>
-            </a:solidFill>
-          </a:ln>
-        </p:spPr>
-        <p:txBody>
-          <a:bodyPr wrap="square" rtlCol="0">
-            <a:spAutoFit/>
-          </a:bodyPr>
-          <a:lstStyle/>
-          <a:p>
-            <a:r>
-              <a:rPr lang="nl-BE" b="1" dirty="0"/>
+              <a:rPr lang="nl-BE" sz="1200" b="1" dirty="0"/>
               <a:t>10</a:t>
             </a:r>
           </a:p>
         </p:txBody>
       </p:sp>
     </p:spTree>
-    <p:extLst>
-      <p:ext uri="{BB962C8B-B14F-4D97-AF65-F5344CB8AC3E}">
-        <p14:creationId xmlns:p14="http://schemas.microsoft.com/office/powerpoint/2010/main" val="3194650055"/>
-      </p:ext>
-    </p:extLst>
   </p:cSld>
   <p:clrMapOvr>
     <a:masterClrMapping/>
